--- a/Burndown & Velocity/V1.9.1 [2021-08-23] Burndown Velocity Sprint 1-7.pptx
+++ b/Burndown & Velocity/V1.9.1 [2021-08-23] Burndown Velocity Sprint 1-7.pptx
@@ -116,7 +116,7 @@
 <file path=ppt/charts/chart1.xml><?xml version="1.0" encoding="utf-8"?>
 <c:chartSpace xmlns:c="http://schemas.openxmlformats.org/drawingml/2006/chart" xmlns:a="http://schemas.openxmlformats.org/drawingml/2006/main" xmlns:r="http://schemas.openxmlformats.org/officeDocument/2006/relationships" xmlns:c16r2="http://schemas.microsoft.com/office/drawing/2015/06/chart">
   <c:date1904 val="0"/>
-  <c:lang val="en-US"/>
+  <c:lang val="th-TH"/>
   <c:roundedCorners val="0"/>
   <mc:AlternateContent xmlns:mc="http://schemas.openxmlformats.org/markup-compatibility/2006">
     <mc:Choice xmlns:c14="http://schemas.microsoft.com/office/drawing/2007/8/2/chart" Requires="c14">
@@ -265,7 +265,7 @@
               <a:cs typeface="TH Sarabun New" panose="020B0500040200020003" pitchFamily="34" charset="-34"/>
             </a:defRPr>
           </a:pPr>
-          <a:endParaRPr lang="th-TH"/>
+          <a:endParaRPr lang="en-US"/>
         </a:p>
       </c:txPr>
     </c:title>
@@ -491,7 +491,7 @@
                     <a:cs typeface="TH Sarabun New" panose="020B0500040200020003" pitchFamily="34" charset="-34"/>
                   </a:defRPr>
                 </a:pPr>
-                <a:endParaRPr lang="th-TH"/>
+                <a:endParaRPr lang="en-US"/>
               </a:p>
             </c:txPr>
             <c:dLblPos val="t"/>
@@ -655,7 +655,7 @@
                 <a:cs typeface="TH Sarabun New" panose="020B0500040200020003" pitchFamily="34" charset="-34"/>
               </a:defRPr>
             </a:pPr>
-            <a:endParaRPr lang="th-TH"/>
+            <a:endParaRPr lang="en-US"/>
           </a:p>
         </c:txPr>
         <c:crossAx val="1657161279"/>
@@ -714,7 +714,7 @@
                 <a:cs typeface="TH Sarabun New" panose="020B0500040200020003" pitchFamily="34" charset="-34"/>
               </a:defRPr>
             </a:pPr>
-            <a:endParaRPr lang="th-TH"/>
+            <a:endParaRPr lang="en-US"/>
           </a:p>
         </c:txPr>
         <c:crossAx val="1657834959"/>
@@ -756,7 +756,7 @@
               <a:cs typeface="TH Sarabun New" panose="020B0500040200020003" pitchFamily="34" charset="-34"/>
             </a:defRPr>
           </a:pPr>
-          <a:endParaRPr lang="th-TH"/>
+          <a:endParaRPr lang="en-US"/>
         </a:p>
       </c:txPr>
     </c:legend>
@@ -788,7 +788,7 @@
           <a:cs typeface="TH Sarabun New" panose="020B0500040200020003" pitchFamily="34" charset="-34"/>
         </a:defRPr>
       </a:pPr>
-      <a:endParaRPr lang="th-TH"/>
+      <a:endParaRPr lang="en-US"/>
     </a:p>
   </c:txPr>
   <c:externalData r:id="rId3">
@@ -801,7 +801,7 @@
 <file path=ppt/charts/chart2.xml><?xml version="1.0" encoding="utf-8"?>
 <c:chartSpace xmlns:c="http://schemas.openxmlformats.org/drawingml/2006/chart" xmlns:a="http://schemas.openxmlformats.org/drawingml/2006/main" xmlns:r="http://schemas.openxmlformats.org/officeDocument/2006/relationships" xmlns:c16r2="http://schemas.microsoft.com/office/drawing/2015/06/chart">
   <c:date1904 val="0"/>
-  <c:lang val="en-US"/>
+  <c:lang val="th-TH"/>
   <c:roundedCorners val="0"/>
   <mc:AlternateContent xmlns:mc="http://schemas.openxmlformats.org/markup-compatibility/2006">
     <mc:Choice xmlns:c14="http://schemas.microsoft.com/office/drawing/2007/8/2/chart" Requires="c14">
@@ -952,7 +952,7 @@
               <a:cs typeface="TH Sarabun New" panose="020B0500040200020003" pitchFamily="34" charset="-34"/>
             </a:defRPr>
           </a:pPr>
-          <a:endParaRPr lang="th-TH"/>
+          <a:endParaRPr lang="en-US"/>
         </a:p>
       </c:txPr>
     </c:title>
@@ -1012,9 +1012,9 @@
           </c:marker>
           <c:cat>
             <c:strRef>
-              <c:f>Sheet1!$A$2:$A$9</c:f>
+              <c:f>Sheet1!$A$2:$A$10</c:f>
               <c:strCache>
-                <c:ptCount val="8"/>
+                <c:ptCount val="9"/>
                 <c:pt idx="0">
                   <c:v>Sprint 1/1</c:v>
                 </c:pt>
@@ -1039,15 +1039,18 @@
                 <c:pt idx="7">
                   <c:v>Sprint 1/8</c:v>
                 </c:pt>
+                <c:pt idx="8">
+                  <c:v>Sprint 1/9</c:v>
+                </c:pt>
               </c:strCache>
             </c:strRef>
           </c:cat>
           <c:val>
             <c:numRef>
-              <c:f>Sheet1!$B$2:$B$9</c:f>
+              <c:f>Sheet1!$B$2:$B$10</c:f>
               <c:numCache>
                 <c:formatCode>General</c:formatCode>
-                <c:ptCount val="8"/>
+                <c:ptCount val="9"/>
                 <c:pt idx="0">
                   <c:v>235</c:v>
                 </c:pt>
@@ -1071,6 +1074,9 @@
                 </c:pt>
                 <c:pt idx="7">
                   <c:v>190</c:v>
+                </c:pt>
+                <c:pt idx="8">
+                  <c:v>145</c:v>
                 </c:pt>
               </c:numCache>
             </c:numRef>
@@ -1146,7 +1152,7 @@
                     <a:cs typeface="TH Sarabun New" panose="020B0500040200020003" pitchFamily="34" charset="-34"/>
                   </a:defRPr>
                 </a:pPr>
-                <a:endParaRPr lang="th-TH"/>
+                <a:endParaRPr lang="en-US"/>
               </a:p>
             </c:txPr>
             <c:dLblPos val="t"/>
@@ -1179,9 +1185,9 @@
           </c:dLbls>
           <c:cat>
             <c:strRef>
-              <c:f>Sheet1!$A$2:$A$9</c:f>
+              <c:f>Sheet1!$A$2:$A$10</c:f>
               <c:strCache>
-                <c:ptCount val="8"/>
+                <c:ptCount val="9"/>
                 <c:pt idx="0">
                   <c:v>Sprint 1/1</c:v>
                 </c:pt>
@@ -1206,15 +1212,18 @@
                 <c:pt idx="7">
                   <c:v>Sprint 1/8</c:v>
                 </c:pt>
+                <c:pt idx="8">
+                  <c:v>Sprint 1/9</c:v>
+                </c:pt>
               </c:strCache>
             </c:strRef>
           </c:cat>
           <c:val>
             <c:numRef>
-              <c:f>Sheet1!$C$2:$C$9</c:f>
+              <c:f>Sheet1!$C$2:$C$10</c:f>
               <c:numCache>
                 <c:formatCode>General</c:formatCode>
-                <c:ptCount val="8"/>
+                <c:ptCount val="9"/>
                 <c:pt idx="0">
                   <c:v>235</c:v>
                 </c:pt>
@@ -1238,6 +1247,9 @@
                 </c:pt>
                 <c:pt idx="7">
                   <c:v>190</c:v>
+                </c:pt>
+                <c:pt idx="8">
+                  <c:v>145</c:v>
                 </c:pt>
               </c:numCache>
             </c:numRef>
@@ -1303,7 +1315,7 @@
                 <a:cs typeface="TH Sarabun New" panose="020B0500040200020003" pitchFamily="34" charset="-34"/>
               </a:defRPr>
             </a:pPr>
-            <a:endParaRPr lang="th-TH"/>
+            <a:endParaRPr lang="en-US"/>
           </a:p>
         </c:txPr>
         <c:crossAx val="1657161279"/>
@@ -1362,7 +1374,7 @@
                 <a:cs typeface="TH Sarabun New" panose="020B0500040200020003" pitchFamily="34" charset="-34"/>
               </a:defRPr>
             </a:pPr>
-            <a:endParaRPr lang="th-TH"/>
+            <a:endParaRPr lang="en-US"/>
           </a:p>
         </c:txPr>
         <c:crossAx val="1657834959"/>
@@ -1404,7 +1416,7 @@
               <a:cs typeface="TH Sarabun New" panose="020B0500040200020003" pitchFamily="34" charset="-34"/>
             </a:defRPr>
           </a:pPr>
-          <a:endParaRPr lang="th-TH"/>
+          <a:endParaRPr lang="en-US"/>
         </a:p>
       </c:txPr>
     </c:legend>
@@ -1436,7 +1448,7 @@
           <a:cs typeface="TH Sarabun New" panose="020B0500040200020003" pitchFamily="34" charset="-34"/>
         </a:defRPr>
       </a:pPr>
-      <a:endParaRPr lang="th-TH"/>
+      <a:endParaRPr lang="en-US"/>
     </a:p>
   </c:txPr>
   <c:externalData r:id="rId3">
@@ -3563,7 +3575,7 @@
           <a:p>
             <a:fld id="{12C3E8BB-F70B-41C7-A2C4-69BE80B44BDC}" type="datetimeFigureOut">
               <a:rPr lang="th-TH" smtClean="0"/>
-              <a:t>23/08/64</a:t>
+              <a:t>04/09/64</a:t>
             </a:fld>
             <a:endParaRPr lang="th-TH"/>
           </a:p>
@@ -3761,7 +3773,7 @@
           <a:p>
             <a:fld id="{12C3E8BB-F70B-41C7-A2C4-69BE80B44BDC}" type="datetimeFigureOut">
               <a:rPr lang="th-TH" smtClean="0"/>
-              <a:t>23/08/64</a:t>
+              <a:t>04/09/64</a:t>
             </a:fld>
             <a:endParaRPr lang="th-TH"/>
           </a:p>
@@ -3969,7 +3981,7 @@
           <a:p>
             <a:fld id="{12C3E8BB-F70B-41C7-A2C4-69BE80B44BDC}" type="datetimeFigureOut">
               <a:rPr lang="th-TH" smtClean="0"/>
-              <a:t>23/08/64</a:t>
+              <a:t>04/09/64</a:t>
             </a:fld>
             <a:endParaRPr lang="th-TH"/>
           </a:p>
@@ -4167,7 +4179,7 @@
           <a:p>
             <a:fld id="{12C3E8BB-F70B-41C7-A2C4-69BE80B44BDC}" type="datetimeFigureOut">
               <a:rPr lang="th-TH" smtClean="0"/>
-              <a:t>23/08/64</a:t>
+              <a:t>04/09/64</a:t>
             </a:fld>
             <a:endParaRPr lang="th-TH"/>
           </a:p>
@@ -4442,7 +4454,7 @@
           <a:p>
             <a:fld id="{12C3E8BB-F70B-41C7-A2C4-69BE80B44BDC}" type="datetimeFigureOut">
               <a:rPr lang="th-TH" smtClean="0"/>
-              <a:t>23/08/64</a:t>
+              <a:t>04/09/64</a:t>
             </a:fld>
             <a:endParaRPr lang="th-TH"/>
           </a:p>
@@ -4707,7 +4719,7 @@
           <a:p>
             <a:fld id="{12C3E8BB-F70B-41C7-A2C4-69BE80B44BDC}" type="datetimeFigureOut">
               <a:rPr lang="th-TH" smtClean="0"/>
-              <a:t>23/08/64</a:t>
+              <a:t>04/09/64</a:t>
             </a:fld>
             <a:endParaRPr lang="th-TH"/>
           </a:p>
@@ -5119,7 +5131,7 @@
           <a:p>
             <a:fld id="{12C3E8BB-F70B-41C7-A2C4-69BE80B44BDC}" type="datetimeFigureOut">
               <a:rPr lang="th-TH" smtClean="0"/>
-              <a:t>23/08/64</a:t>
+              <a:t>04/09/64</a:t>
             </a:fld>
             <a:endParaRPr lang="th-TH"/>
           </a:p>
@@ -5260,7 +5272,7 @@
           <a:p>
             <a:fld id="{12C3E8BB-F70B-41C7-A2C4-69BE80B44BDC}" type="datetimeFigureOut">
               <a:rPr lang="th-TH" smtClean="0"/>
-              <a:t>23/08/64</a:t>
+              <a:t>04/09/64</a:t>
             </a:fld>
             <a:endParaRPr lang="th-TH"/>
           </a:p>
@@ -5373,7 +5385,7 @@
           <a:p>
             <a:fld id="{12C3E8BB-F70B-41C7-A2C4-69BE80B44BDC}" type="datetimeFigureOut">
               <a:rPr lang="th-TH" smtClean="0"/>
-              <a:t>23/08/64</a:t>
+              <a:t>04/09/64</a:t>
             </a:fld>
             <a:endParaRPr lang="th-TH"/>
           </a:p>
@@ -5684,7 +5696,7 @@
           <a:p>
             <a:fld id="{12C3E8BB-F70B-41C7-A2C4-69BE80B44BDC}" type="datetimeFigureOut">
               <a:rPr lang="th-TH" smtClean="0"/>
-              <a:t>23/08/64</a:t>
+              <a:t>04/09/64</a:t>
             </a:fld>
             <a:endParaRPr lang="th-TH"/>
           </a:p>
@@ -5972,7 +5984,7 @@
           <a:p>
             <a:fld id="{12C3E8BB-F70B-41C7-A2C4-69BE80B44BDC}" type="datetimeFigureOut">
               <a:rPr lang="th-TH" smtClean="0"/>
-              <a:t>23/08/64</a:t>
+              <a:t>04/09/64</a:t>
             </a:fld>
             <a:endParaRPr lang="th-TH"/>
           </a:p>
@@ -6213,7 +6225,7 @@
           <a:p>
             <a:fld id="{12C3E8BB-F70B-41C7-A2C4-69BE80B44BDC}" type="datetimeFigureOut">
               <a:rPr lang="th-TH" smtClean="0"/>
-              <a:t>23/08/64</a:t>
+              <a:t>04/09/64</a:t>
             </a:fld>
             <a:endParaRPr lang="th-TH"/>
           </a:p>
@@ -6810,7 +6822,7 @@
           <p:nvPr>
             <p:extLst>
               <p:ext uri="{D42A27DB-BD31-4B8C-83A1-F6EECF244321}">
-                <p14:modId xmlns:p14="http://schemas.microsoft.com/office/powerpoint/2010/main" val="804869842"/>
+                <p14:modId xmlns:p14="http://schemas.microsoft.com/office/powerpoint/2010/main" val="1431650831"/>
               </p:ext>
             </p:extLst>
           </p:nvPr>
@@ -7602,7 +7614,7 @@
         </p:nvSpPr>
         <p:spPr>
           <a:xfrm>
-            <a:off x="9265920" y="4693920"/>
+            <a:off x="8923020" y="4800600"/>
             <a:ext cx="457200" cy="259080"/>
           </a:xfrm>
           <a:prstGeom prst="rect">
